--- a/SOA性能/性能.pptx
+++ b/SOA性能/性能.pptx
@@ -5,14 +5,15 @@
     <p:sldMasterId id="2147483660" r:id="rId1"/>
   </p:sldMasterIdLst>
   <p:notesMasterIdLst>
-    <p:notesMasterId r:id="rId7"/>
+    <p:notesMasterId r:id="rId8"/>
   </p:notesMasterIdLst>
   <p:sldIdLst>
     <p:sldId id="256" r:id="rId2"/>
     <p:sldId id="260" r:id="rId3"/>
-    <p:sldId id="258" r:id="rId4"/>
-    <p:sldId id="259" r:id="rId5"/>
-    <p:sldId id="257" r:id="rId6"/>
+    <p:sldId id="261" r:id="rId4"/>
+    <p:sldId id="258" r:id="rId5"/>
+    <p:sldId id="259" r:id="rId6"/>
+    <p:sldId id="257" r:id="rId7"/>
   </p:sldIdLst>
   <p:sldSz cx="9144000" cy="6858000" type="screen4x3"/>
   <p:notesSz cx="6858000" cy="9144000"/>
@@ -212,7 +213,7 @@
           <a:p>
             <a:fld id="{E45CAED5-394F-E941-8905-2F3D49560E04}" type="datetimeFigureOut">
               <a:rPr lang="en-US" smtClean="0"/>
-              <a:t>2/15/16</a:t>
+              <a:t>2/16/16</a:t>
             </a:fld>
             <a:endParaRPr lang="en-US"/>
           </a:p>
@@ -557,7 +558,7 @@
           <a:p>
             <a:fld id="{2057E21E-0CD6-CA4F-8813-2F285B641422}" type="slidenum">
               <a:rPr lang="en-US" smtClean="0"/>
-              <a:t>4</a:t>
+              <a:t>5</a:t>
             </a:fld>
             <a:endParaRPr lang="en-US"/>
           </a:p>
@@ -784,7 +785,7 @@
             <a:pPr algn="l" eaLnBrk="1" latinLnBrk="0" hangingPunct="1"/>
             <a:fld id="{48D92626-37D2-4832-BF7A-BC283494A20D}" type="datetimeFigureOut">
               <a:rPr lang="en-US" smtClean="0"/>
-              <a:t>2/15/16</a:t>
+              <a:t>2/16/16</a:t>
             </a:fld>
             <a:endParaRPr lang="en-US"/>
           </a:p>
@@ -985,7 +986,7 @@
           <a:p>
             <a:fld id="{48D92626-37D2-4832-BF7A-BC283494A20D}" type="datetimeFigureOut">
               <a:rPr lang="en-US" smtClean="0"/>
-              <a:t>2/15/16</a:t>
+              <a:t>2/16/16</a:t>
             </a:fld>
             <a:endParaRPr lang="en-US"/>
           </a:p>
@@ -1173,7 +1174,7 @@
           <a:p>
             <a:fld id="{48D92626-37D2-4832-BF7A-BC283494A20D}" type="datetimeFigureOut">
               <a:rPr lang="en-US" smtClean="0"/>
-              <a:t>2/15/16</a:t>
+              <a:t>2/16/16</a:t>
             </a:fld>
             <a:endParaRPr lang="en-US"/>
           </a:p>
@@ -1402,7 +1403,7 @@
           <a:p>
             <a:fld id="{48D92626-37D2-4832-BF7A-BC283494A20D}" type="datetimeFigureOut">
               <a:rPr lang="en-US" smtClean="0"/>
-              <a:t>2/15/16</a:t>
+              <a:t>2/16/16</a:t>
             </a:fld>
             <a:endParaRPr lang="en-US"/>
           </a:p>
@@ -1684,7 +1685,7 @@
             <a:pPr algn="l" eaLnBrk="1" latinLnBrk="0" hangingPunct="1"/>
             <a:fld id="{48D92626-37D2-4832-BF7A-BC283494A20D}" type="datetimeFigureOut">
               <a:rPr lang="en-US" smtClean="0"/>
-              <a:t>2/15/16</a:t>
+              <a:t>2/16/16</a:t>
             </a:fld>
             <a:endParaRPr lang="en-US"/>
           </a:p>
@@ -1979,7 +1980,7 @@
           <a:p>
             <a:fld id="{48D92626-37D2-4832-BF7A-BC283494A20D}" type="datetimeFigureOut">
               <a:rPr lang="en-US" smtClean="0"/>
-              <a:t>2/15/16</a:t>
+              <a:t>2/16/16</a:t>
             </a:fld>
             <a:endParaRPr lang="en-US"/>
           </a:p>
@@ -2533,7 +2534,7 @@
           <a:p>
             <a:fld id="{48D92626-37D2-4832-BF7A-BC283494A20D}" type="datetimeFigureOut">
               <a:rPr lang="en-US" smtClean="0"/>
-              <a:t>2/15/16</a:t>
+              <a:t>2/16/16</a:t>
             </a:fld>
             <a:endParaRPr lang="en-US"/>
           </a:p>
@@ -2664,7 +2665,7 @@
           <a:p>
             <a:fld id="{48D92626-37D2-4832-BF7A-BC283494A20D}" type="datetimeFigureOut">
               <a:rPr lang="en-US" smtClean="0"/>
-              <a:t>2/15/16</a:t>
+              <a:t>2/16/16</a:t>
             </a:fld>
             <a:endParaRPr lang="en-US"/>
           </a:p>
@@ -2814,7 +2815,7 @@
           <a:p>
             <a:fld id="{48D92626-37D2-4832-BF7A-BC283494A20D}" type="datetimeFigureOut">
               <a:rPr lang="en-US" smtClean="0"/>
-              <a:t>2/15/16</a:t>
+              <a:t>2/16/16</a:t>
             </a:fld>
             <a:endParaRPr lang="en-US"/>
           </a:p>
@@ -3136,7 +3137,7 @@
             <a:pPr algn="l" eaLnBrk="1" latinLnBrk="0" hangingPunct="1"/>
             <a:fld id="{48D92626-37D2-4832-BF7A-BC283494A20D}" type="datetimeFigureOut">
               <a:rPr lang="en-US" smtClean="0"/>
-              <a:t>2/15/16</a:t>
+              <a:t>2/16/16</a:t>
             </a:fld>
             <a:endParaRPr lang="en-US"/>
           </a:p>
@@ -3441,7 +3442,7 @@
             <a:pPr algn="l" eaLnBrk="1" latinLnBrk="0" hangingPunct="1"/>
             <a:fld id="{48D92626-37D2-4832-BF7A-BC283494A20D}" type="datetimeFigureOut">
               <a:rPr lang="en-US" smtClean="0"/>
-              <a:t>2/15/16</a:t>
+              <a:t>2/16/16</a:t>
             </a:fld>
             <a:endParaRPr lang="en-US"/>
           </a:p>
@@ -3702,7 +3703,7 @@
             <a:pPr algn="l" eaLnBrk="1" latinLnBrk="0" hangingPunct="1"/>
             <a:fld id="{48D92626-37D2-4832-BF7A-BC283494A20D}" type="datetimeFigureOut">
               <a:rPr lang="en-US" smtClean="0"/>
-              <a:t>2/15/16</a:t>
+              <a:t>2/16/16</a:t>
             </a:fld>
             <a:endParaRPr lang="en-US" sz="1300" dirty="0">
               <a:solidFill>
@@ -4319,7 +4320,11 @@
           <a:bodyPr/>
           <a:lstStyle/>
           <a:p>
-            <a:endParaRPr kumimoji="1" lang="zh-CN" altLang="en-US"/>
+            <a:r>
+              <a:rPr kumimoji="1" lang="zh-CN" altLang="en-US" dirty="0" smtClean="0"/>
+              <a:t>什么时候该扩容了</a:t>
+            </a:r>
+            <a:endParaRPr kumimoji="1" lang="zh-CN" altLang="en-US" dirty="0"/>
           </a:p>
         </p:txBody>
       </p:sp>
@@ -4335,9 +4340,33 @@
         </p:nvSpPr>
         <p:spPr/>
         <p:txBody>
-          <a:bodyPr/>
+          <a:bodyPr>
+            <a:normAutofit fontScale="92500" lnSpcReduction="20000"/>
+          </a:bodyPr>
           <a:lstStyle/>
           <a:p>
+            <a:r>
+              <a:rPr kumimoji="1" lang="zh-CN" altLang="en-US" dirty="0"/>
+              <a:t>服务的调用量越来越大，服务的容量问题就暴露出来，这个服务需要多少机器支撑？什么时候该加机器？ </a:t>
+            </a:r>
+            <a:endParaRPr kumimoji="1" lang="en-US" altLang="zh-CN" dirty="0" smtClean="0"/>
+          </a:p>
+          <a:p>
+            <a:r>
+              <a:rPr kumimoji="1" lang="zh-CN" altLang="en-US" dirty="0"/>
+              <a:t>为了解决这些问题，第一步，要将服务现在每天的调用量，响应时间，都统计出来，作为容量规划的参考指标。 </a:t>
+            </a:r>
+            <a:endParaRPr kumimoji="1" lang="en-US" altLang="zh-CN" dirty="0" smtClean="0"/>
+          </a:p>
+          <a:p>
+            <a:r>
+              <a:rPr kumimoji="1" lang="zh-CN" altLang="en-US" dirty="0" smtClean="0"/>
+              <a:t>其次</a:t>
+            </a:r>
+            <a:r>
+              <a:rPr kumimoji="1" lang="zh-CN" altLang="en-US" dirty="0"/>
+              <a:t>，要可以动态调整权重，在线上，将某台机器的权重一直加大，并在加大的过程中记录响应时间的变化，直到响应时间到达阀值，记录此时的访问量，再以此访问量乘以机器数反推总容量。 </a:t>
+            </a:r>
             <a:endParaRPr kumimoji="1" lang="zh-CN" altLang="en-US" dirty="0"/>
           </a:p>
         </p:txBody>
@@ -4403,75 +4432,75 @@
         </p:nvSpPr>
         <p:spPr/>
         <p:txBody>
-          <a:bodyPr/>
+          <a:bodyPr>
+            <a:normAutofit fontScale="92500" lnSpcReduction="20000"/>
+          </a:bodyPr>
           <a:lstStyle/>
           <a:p>
             <a:r>
-              <a:rPr kumimoji="1" lang="en-US" altLang="zh-CN" dirty="0" smtClean="0"/>
-              <a:t>HTTP</a:t>
+              <a:rPr kumimoji="1" lang="zh-CN" altLang="en-US" dirty="0"/>
+              <a:t>就算是不敏感的服务，也不是能任意调用，比如某服务突然多了一个消费者，这个消费者的请求量直接把服务给拖跨了，其它消费者跟着一起故障</a:t>
+            </a:r>
+            <a:r>
+              <a:rPr kumimoji="1" lang="zh-CN" altLang="en-US" dirty="0" smtClean="0"/>
+              <a:t>。</a:t>
+            </a:r>
+          </a:p>
+          <a:p>
+            <a:r>
+              <a:rPr kumimoji="1" lang="zh-CN" altLang="en-US" dirty="0"/>
+              <a:t>首先服务提供方需要流控，当流程超标时，能拒绝部分请求，进行自我保护。 </a:t>
             </a:r>
             <a:endParaRPr kumimoji="1" lang="zh-CN" altLang="en-US" dirty="0" smtClean="0"/>
           </a:p>
           <a:p>
-            <a:pPr lvl="1"/>
+            <a:r>
+              <a:rPr kumimoji="1" lang="zh-CN" altLang="en-US" dirty="0" smtClean="0"/>
+              <a:t>其次</a:t>
+            </a:r>
             <a:r>
               <a:rPr kumimoji="1" lang="zh-CN" altLang="en-US" dirty="0"/>
-              <a:t>简单、易用、可理解性强且语言</a:t>
-            </a:r>
-            <a:r>
-              <a:rPr kumimoji="1" lang="zh-CN" altLang="en-US" dirty="0" smtClean="0"/>
-              <a:t>无关</a:t>
-            </a:r>
-          </a:p>
-          <a:p>
-            <a:pPr lvl="1"/>
+              <a:t>，消费者上线前和提供者约定</a:t>
+            </a:r>
+            <a:r>
+              <a:rPr kumimoji="1" lang="en-US" altLang="zh-CN" dirty="0"/>
+              <a:t>《</a:t>
+            </a:r>
             <a:r>
               <a:rPr kumimoji="1" lang="zh-CN" altLang="en-US" dirty="0"/>
-              <a:t>协议头较重，一般请求到具体服务器的链路较长，可能会有 </a:t>
+              <a:t>服务质量等级协定</a:t>
             </a:r>
             <a:r>
               <a:rPr kumimoji="1" lang="en-US" altLang="zh-CN" dirty="0"/>
-              <a:t>DNS </a:t>
+              <a:t>(SLA)》</a:t>
             </a:r>
             <a:r>
               <a:rPr kumimoji="1" lang="zh-CN" altLang="en-US" dirty="0"/>
-              <a:t>解析、</a:t>
-            </a:r>
-            <a:r>
-              <a:rPr kumimoji="1" lang="en-US" altLang="zh-CN" dirty="0" err="1"/>
-              <a:t>Nginx</a:t>
+              <a:t>，</a:t>
             </a:r>
             <a:r>
               <a:rPr kumimoji="1" lang="en-US" altLang="zh-CN" dirty="0"/>
-              <a:t> </a:t>
+              <a:t>SLA</a:t>
             </a:r>
             <a:r>
               <a:rPr kumimoji="1" lang="zh-CN" altLang="en-US" dirty="0"/>
-              <a:t>代理</a:t>
-            </a:r>
-            <a:r>
-              <a:rPr kumimoji="1" lang="zh-CN" altLang="en-US" dirty="0" smtClean="0"/>
-              <a:t>等。</a:t>
-            </a:r>
-            <a:endParaRPr kumimoji="1" lang="zh-CN" altLang="en-US" dirty="0"/>
-          </a:p>
-          <a:p>
-            <a:r>
-              <a:rPr kumimoji="1" lang="en-US" altLang="zh-CN" dirty="0" smtClean="0"/>
-              <a:t>RPC</a:t>
-            </a:r>
-            <a:endParaRPr kumimoji="1" lang="zh-CN" altLang="en-US" dirty="0" smtClean="0"/>
-          </a:p>
-          <a:p>
-            <a:pPr lvl="1"/>
-            <a:endParaRPr kumimoji="1" lang="zh-CN" altLang="en-US" dirty="0"/>
+              <a:t>包括消费者承诺每天调用量，请求数据量，提供方承诺响应时间，出错率等，将</a:t>
+            </a:r>
+            <a:r>
+              <a:rPr kumimoji="1" lang="en-US" altLang="zh-CN" dirty="0"/>
+              <a:t>SLA</a:t>
+            </a:r>
+            <a:r>
+              <a:rPr kumimoji="1" lang="zh-CN" altLang="en-US" dirty="0"/>
+              <a:t>记录在监控中心，定时与监控数据对比，超标则报警。 </a:t>
+            </a:r>
           </a:p>
         </p:txBody>
       </p:sp>
     </p:spTree>
     <p:extLst>
       <p:ext uri="{BB962C8B-B14F-4D97-AF65-F5344CB8AC3E}">
-        <p14:creationId xmlns:p14="http://schemas.microsoft.com/office/powerpoint/2010/main" val="1604931503"/>
+        <p14:creationId xmlns:p14="http://schemas.microsoft.com/office/powerpoint/2010/main" val="172227736"/>
       </p:ext>
     </p:extLst>
   </p:cSld>
@@ -4513,136 +4542,91 @@
           <a:bodyPr/>
           <a:lstStyle/>
           <a:p>
+            <a:endParaRPr kumimoji="1" lang="zh-CN" altLang="en-US"/>
+          </a:p>
+        </p:txBody>
+      </p:sp>
+      <p:sp>
+        <p:nvSpPr>
+          <p:cNvPr id="3" name="内容占位符 2"/>
+          <p:cNvSpPr>
+            <a:spLocks noGrp="1"/>
+          </p:cNvSpPr>
+          <p:nvPr>
+            <p:ph idx="1"/>
+          </p:nvPr>
+        </p:nvSpPr>
+        <p:spPr/>
+        <p:txBody>
+          <a:bodyPr/>
+          <a:lstStyle/>
+          <a:p>
+            <a:r>
+              <a:rPr kumimoji="1" lang="en-US" altLang="zh-CN" dirty="0" smtClean="0"/>
+              <a:t>HTTP</a:t>
+            </a:r>
+            <a:endParaRPr kumimoji="1" lang="zh-CN" altLang="en-US" dirty="0" smtClean="0"/>
+          </a:p>
+          <a:p>
+            <a:pPr lvl="1"/>
+            <a:r>
+              <a:rPr kumimoji="1" lang="zh-CN" altLang="en-US" dirty="0"/>
+              <a:t>简单、易用、可理解性强且语言</a:t>
+            </a:r>
             <a:r>
               <a:rPr kumimoji="1" lang="zh-CN" altLang="en-US" dirty="0" smtClean="0"/>
-              <a:t>微博压缩数据</a:t>
+              <a:t>无关</a:t>
+            </a:r>
+          </a:p>
+          <a:p>
+            <a:pPr lvl="1"/>
+            <a:r>
+              <a:rPr kumimoji="1" lang="zh-CN" altLang="en-US" dirty="0"/>
+              <a:t>协议头较重，一般请求到具体服务器的链路较长，可能会有 </a:t>
+            </a:r>
+            <a:r>
+              <a:rPr kumimoji="1" lang="en-US" altLang="zh-CN" dirty="0"/>
+              <a:t>DNS </a:t>
+            </a:r>
+            <a:r>
+              <a:rPr kumimoji="1" lang="zh-CN" altLang="en-US" dirty="0"/>
+              <a:t>解析、</a:t>
+            </a:r>
+            <a:r>
+              <a:rPr kumimoji="1" lang="en-US" altLang="zh-CN" dirty="0" err="1"/>
+              <a:t>Nginx</a:t>
+            </a:r>
+            <a:r>
+              <a:rPr kumimoji="1" lang="en-US" altLang="zh-CN" dirty="0"/>
+              <a:t> </a:t>
+            </a:r>
+            <a:r>
+              <a:rPr kumimoji="1" lang="zh-CN" altLang="en-US" dirty="0"/>
+              <a:t>代理</a:t>
+            </a:r>
+            <a:r>
+              <a:rPr kumimoji="1" lang="zh-CN" altLang="en-US" dirty="0" smtClean="0"/>
+              <a:t>等。</a:t>
             </a:r>
             <a:endParaRPr kumimoji="1" lang="zh-CN" altLang="en-US" dirty="0"/>
           </a:p>
-        </p:txBody>
-      </p:sp>
-      <p:pic>
-        <p:nvPicPr>
-          <p:cNvPr id="4" name="内容占位符 3"/>
-          <p:cNvPicPr>
-            <a:picLocks noGrp="1" noChangeAspect="1"/>
-          </p:cNvPicPr>
-          <p:nvPr>
-            <p:ph idx="1"/>
-          </p:nvPr>
-        </p:nvPicPr>
-        <p:blipFill>
-          <a:blip r:embed="rId3"/>
-          <a:stretch>
-            <a:fillRect/>
-          </a:stretch>
-        </p:blipFill>
-        <p:spPr>
-          <a:xfrm>
-            <a:off x="457200" y="2587847"/>
-            <a:ext cx="8229600" cy="2642744"/>
-          </a:xfrm>
-          <a:prstGeom prst="rect">
-            <a:avLst/>
-          </a:prstGeom>
-        </p:spPr>
-      </p:pic>
-      <p:sp>
-        <p:nvSpPr>
-          <p:cNvPr id="5" name="矩形 4"/>
-          <p:cNvSpPr/>
-          <p:nvPr/>
-        </p:nvSpPr>
-        <p:spPr>
-          <a:xfrm>
-            <a:off x="584947" y="5525466"/>
-            <a:ext cx="7974106" cy="646331"/>
-          </a:xfrm>
-          <a:prstGeom prst="rect">
-            <a:avLst/>
-          </a:prstGeom>
-        </p:spPr>
-        <p:txBody>
-          <a:bodyPr wrap="square">
-            <a:spAutoFit/>
-          </a:bodyPr>
-          <a:lstStyle/>
-          <a:p>
-            <a:r>
-              <a:rPr lang="zh-CN" altLang="en-US" dirty="0">
-                <a:solidFill>
-                  <a:srgbClr val="FFFF00"/>
-                </a:solidFill>
-                <a:latin typeface="Lantinghei SC" charset="-122"/>
-              </a:rPr>
-              <a:t>实际测试在返回值 </a:t>
-            </a:r>
-            <a:r>
-              <a:rPr lang="en-US" altLang="zh-CN" dirty="0">
-                <a:solidFill>
-                  <a:srgbClr val="FFFF00"/>
-                </a:solidFill>
-                <a:latin typeface="Lantinghei SC" charset="-122"/>
-              </a:rPr>
-              <a:t>2KB</a:t>
-            </a:r>
-            <a:r>
-              <a:rPr lang="zh-CN" altLang="en-US" dirty="0">
-                <a:solidFill>
-                  <a:srgbClr val="FFFF00"/>
-                </a:solidFill>
-                <a:latin typeface="Lantinghei SC" charset="-122"/>
-              </a:rPr>
-              <a:t>～</a:t>
-            </a:r>
-            <a:r>
-              <a:rPr lang="en-US" altLang="zh-CN" dirty="0">
-                <a:solidFill>
-                  <a:srgbClr val="FFFF00"/>
-                </a:solidFill>
-                <a:latin typeface="Lantinghei SC" charset="-122"/>
-              </a:rPr>
-              <a:t>20KB </a:t>
-            </a:r>
-            <a:r>
-              <a:rPr lang="zh-CN" altLang="en-US" dirty="0">
-                <a:solidFill>
-                  <a:srgbClr val="FFFF00"/>
-                </a:solidFill>
-                <a:latin typeface="Lantinghei SC" charset="-122"/>
-              </a:rPr>
-              <a:t>时压缩会有比较好的效果，大于 </a:t>
-            </a:r>
-            <a:r>
-              <a:rPr lang="en-US" altLang="zh-CN" dirty="0">
-                <a:solidFill>
-                  <a:srgbClr val="FFFF00"/>
-                </a:solidFill>
-                <a:latin typeface="Lantinghei SC" charset="-122"/>
-              </a:rPr>
-              <a:t>50KB </a:t>
-            </a:r>
-            <a:r>
-              <a:rPr lang="zh-CN" altLang="en-US" dirty="0">
-                <a:solidFill>
-                  <a:srgbClr val="FFFF00"/>
-                </a:solidFill>
-                <a:latin typeface="Lantinghei SC" charset="-122"/>
-              </a:rPr>
-              <a:t>压缩平均耗时就会比较高。</a:t>
-            </a:r>
-            <a:endParaRPr lang="zh-CN" altLang="en-US" dirty="0">
-              <a:solidFill>
-                <a:srgbClr val="FFFF00"/>
-              </a:solidFill>
-            </a:endParaRPr>
+          <a:p>
+            <a:r>
+              <a:rPr kumimoji="1" lang="en-US" altLang="zh-CN" dirty="0" smtClean="0"/>
+              <a:t>RPC</a:t>
+            </a:r>
+            <a:endParaRPr kumimoji="1" lang="zh-CN" altLang="en-US" dirty="0" smtClean="0"/>
+          </a:p>
+          <a:p>
+            <a:pPr lvl="1"/>
+            <a:endParaRPr kumimoji="1" lang="zh-CN" altLang="en-US" dirty="0"/>
           </a:p>
         </p:txBody>
       </p:sp>
     </p:spTree>
     <p:extLst>
       <p:ext uri="{BB962C8B-B14F-4D97-AF65-F5344CB8AC3E}">
-        <p14:creationId xmlns:p14="http://schemas.microsoft.com/office/powerpoint/2010/main" val="1468719622"/>
+        <p14:creationId xmlns:p14="http://schemas.microsoft.com/office/powerpoint/2010/main" val="1604931503"/>
       </p:ext>
     </p:extLst>
   </p:cSld>
@@ -4685,6 +4669,177 @@
           <a:lstStyle/>
           <a:p>
             <a:r>
+              <a:rPr kumimoji="1" lang="zh-CN" altLang="en-US" dirty="0" smtClean="0"/>
+              <a:t>微博压缩数据</a:t>
+            </a:r>
+            <a:endParaRPr kumimoji="1" lang="zh-CN" altLang="en-US" dirty="0"/>
+          </a:p>
+        </p:txBody>
+      </p:sp>
+      <p:pic>
+        <p:nvPicPr>
+          <p:cNvPr id="4" name="内容占位符 3"/>
+          <p:cNvPicPr>
+            <a:picLocks noGrp="1" noChangeAspect="1"/>
+          </p:cNvPicPr>
+          <p:nvPr>
+            <p:ph idx="1"/>
+          </p:nvPr>
+        </p:nvPicPr>
+        <p:blipFill>
+          <a:blip r:embed="rId3"/>
+          <a:stretch>
+            <a:fillRect/>
+          </a:stretch>
+        </p:blipFill>
+        <p:spPr>
+          <a:xfrm>
+            <a:off x="457200" y="2587847"/>
+            <a:ext cx="8229600" cy="2642744"/>
+          </a:xfrm>
+          <a:prstGeom prst="rect">
+            <a:avLst/>
+          </a:prstGeom>
+        </p:spPr>
+      </p:pic>
+      <p:sp>
+        <p:nvSpPr>
+          <p:cNvPr id="5" name="矩形 4"/>
+          <p:cNvSpPr/>
+          <p:nvPr/>
+        </p:nvSpPr>
+        <p:spPr>
+          <a:xfrm>
+            <a:off x="584947" y="5525466"/>
+            <a:ext cx="7974106" cy="646331"/>
+          </a:xfrm>
+          <a:prstGeom prst="rect">
+            <a:avLst/>
+          </a:prstGeom>
+        </p:spPr>
+        <p:txBody>
+          <a:bodyPr wrap="square">
+            <a:spAutoFit/>
+          </a:bodyPr>
+          <a:lstStyle/>
+          <a:p>
+            <a:r>
+              <a:rPr lang="zh-CN" altLang="en-US" dirty="0">
+                <a:solidFill>
+                  <a:srgbClr val="FFFF00"/>
+                </a:solidFill>
+                <a:latin typeface="Lantinghei SC" charset="-122"/>
+              </a:rPr>
+              <a:t>实际测试在返回值 </a:t>
+            </a:r>
+            <a:r>
+              <a:rPr lang="en-US" altLang="zh-CN" dirty="0">
+                <a:solidFill>
+                  <a:srgbClr val="FFFF00"/>
+                </a:solidFill>
+                <a:latin typeface="Lantinghei SC" charset="-122"/>
+              </a:rPr>
+              <a:t>2KB</a:t>
+            </a:r>
+            <a:r>
+              <a:rPr lang="zh-CN" altLang="en-US" dirty="0">
+                <a:solidFill>
+                  <a:srgbClr val="FFFF00"/>
+                </a:solidFill>
+                <a:latin typeface="Lantinghei SC" charset="-122"/>
+              </a:rPr>
+              <a:t>～</a:t>
+            </a:r>
+            <a:r>
+              <a:rPr lang="en-US" altLang="zh-CN" dirty="0">
+                <a:solidFill>
+                  <a:srgbClr val="FFFF00"/>
+                </a:solidFill>
+                <a:latin typeface="Lantinghei SC" charset="-122"/>
+              </a:rPr>
+              <a:t>20KB </a:t>
+            </a:r>
+            <a:r>
+              <a:rPr lang="zh-CN" altLang="en-US" dirty="0">
+                <a:solidFill>
+                  <a:srgbClr val="FFFF00"/>
+                </a:solidFill>
+                <a:latin typeface="Lantinghei SC" charset="-122"/>
+              </a:rPr>
+              <a:t>时压缩会有比较好的效果，大于 </a:t>
+            </a:r>
+            <a:r>
+              <a:rPr lang="en-US" altLang="zh-CN" dirty="0">
+                <a:solidFill>
+                  <a:srgbClr val="FFFF00"/>
+                </a:solidFill>
+                <a:latin typeface="Lantinghei SC" charset="-122"/>
+              </a:rPr>
+              <a:t>50KB </a:t>
+            </a:r>
+            <a:r>
+              <a:rPr lang="zh-CN" altLang="en-US" dirty="0">
+                <a:solidFill>
+                  <a:srgbClr val="FFFF00"/>
+                </a:solidFill>
+                <a:latin typeface="Lantinghei SC" charset="-122"/>
+              </a:rPr>
+              <a:t>压缩平均耗时就会比较高。</a:t>
+            </a:r>
+            <a:endParaRPr lang="zh-CN" altLang="en-US" dirty="0">
+              <a:solidFill>
+                <a:srgbClr val="FFFF00"/>
+              </a:solidFill>
+            </a:endParaRPr>
+          </a:p>
+        </p:txBody>
+      </p:sp>
+    </p:spTree>
+    <p:extLst>
+      <p:ext uri="{BB962C8B-B14F-4D97-AF65-F5344CB8AC3E}">
+        <p14:creationId xmlns:p14="http://schemas.microsoft.com/office/powerpoint/2010/main" val="1468719622"/>
+      </p:ext>
+    </p:extLst>
+  </p:cSld>
+  <p:clrMapOvr>
+    <a:masterClrMapping/>
+  </p:clrMapOvr>
+</p:sld>
+</file>
+
+<file path=ppt/slides/slide6.xml><?xml version="1.0" encoding="utf-8"?>
+<p:sld xmlns:a="http://schemas.openxmlformats.org/drawingml/2006/main" xmlns:r="http://schemas.openxmlformats.org/officeDocument/2006/relationships" xmlns:p="http://schemas.openxmlformats.org/presentationml/2006/main">
+  <p:cSld>
+    <p:spTree>
+      <p:nvGrpSpPr>
+        <p:cNvPr id="1" name=""/>
+        <p:cNvGrpSpPr/>
+        <p:nvPr/>
+      </p:nvGrpSpPr>
+      <p:grpSpPr>
+        <a:xfrm>
+          <a:off x="0" y="0"/>
+          <a:ext cx="0" cy="0"/>
+          <a:chOff x="0" y="0"/>
+          <a:chExt cx="0" cy="0"/>
+        </a:xfrm>
+      </p:grpSpPr>
+      <p:sp>
+        <p:nvSpPr>
+          <p:cNvPr id="2" name="标题 1"/>
+          <p:cNvSpPr>
+            <a:spLocks noGrp="1"/>
+          </p:cNvSpPr>
+          <p:nvPr>
+            <p:ph type="title"/>
+          </p:nvPr>
+        </p:nvSpPr>
+        <p:spPr/>
+        <p:txBody>
+          <a:bodyPr/>
+          <a:lstStyle/>
+          <a:p>
+            <a:r>
               <a:rPr lang="en-US" altLang="zh-CN" dirty="0" smtClean="0"/>
               <a:t>FAQ</a:t>
             </a:r>
@@ -4746,14 +4901,14 @@
           </a:ln>
           <a:extLst>
             <a:ext uri="{909E8E84-426E-40dd-AFC4-6F175D3DCCD1}">
-              <a14:hiddenFill xmlns:a14="http://schemas.microsoft.com/office/drawing/2010/main" xmlns="">
+              <a14:hiddenFill xmlns="" xmlns:a14="http://schemas.microsoft.com/office/drawing/2010/main">
                 <a:solidFill>
                   <a:schemeClr val="accent1"/>
                 </a:solidFill>
               </a14:hiddenFill>
             </a:ext>
             <a:ext uri="{91240B29-F687-4f45-9708-019B960494DF}">
-              <a14:hiddenLine xmlns:a14="http://schemas.microsoft.com/office/drawing/2010/main" xmlns="" w="9525">
+              <a14:hiddenLine xmlns="" xmlns:a14="http://schemas.microsoft.com/office/drawing/2010/main" w="9525">
                 <a:solidFill>
                   <a:schemeClr val="tx1"/>
                 </a:solidFill>

--- a/SOA性能/性能.pptx
+++ b/SOA性能/性能.pptx
@@ -213,7 +213,7 @@
           <a:p>
             <a:fld id="{E45CAED5-394F-E941-8905-2F3D49560E04}" type="datetimeFigureOut">
               <a:rPr lang="en-US" smtClean="0"/>
-              <a:t>2/16/16</a:t>
+              <a:t>2/19/16</a:t>
             </a:fld>
             <a:endParaRPr lang="en-US"/>
           </a:p>
@@ -785,7 +785,7 @@
             <a:pPr algn="l" eaLnBrk="1" latinLnBrk="0" hangingPunct="1"/>
             <a:fld id="{48D92626-37D2-4832-BF7A-BC283494A20D}" type="datetimeFigureOut">
               <a:rPr lang="en-US" smtClean="0"/>
-              <a:t>2/16/16</a:t>
+              <a:t>2/19/16</a:t>
             </a:fld>
             <a:endParaRPr lang="en-US"/>
           </a:p>
@@ -986,7 +986,7 @@
           <a:p>
             <a:fld id="{48D92626-37D2-4832-BF7A-BC283494A20D}" type="datetimeFigureOut">
               <a:rPr lang="en-US" smtClean="0"/>
-              <a:t>2/16/16</a:t>
+              <a:t>2/19/16</a:t>
             </a:fld>
             <a:endParaRPr lang="en-US"/>
           </a:p>
@@ -1174,7 +1174,7 @@
           <a:p>
             <a:fld id="{48D92626-37D2-4832-BF7A-BC283494A20D}" type="datetimeFigureOut">
               <a:rPr lang="en-US" smtClean="0"/>
-              <a:t>2/16/16</a:t>
+              <a:t>2/19/16</a:t>
             </a:fld>
             <a:endParaRPr lang="en-US"/>
           </a:p>
@@ -1403,7 +1403,7 @@
           <a:p>
             <a:fld id="{48D92626-37D2-4832-BF7A-BC283494A20D}" type="datetimeFigureOut">
               <a:rPr lang="en-US" smtClean="0"/>
-              <a:t>2/16/16</a:t>
+              <a:t>2/19/16</a:t>
             </a:fld>
             <a:endParaRPr lang="en-US"/>
           </a:p>
@@ -1685,7 +1685,7 @@
             <a:pPr algn="l" eaLnBrk="1" latinLnBrk="0" hangingPunct="1"/>
             <a:fld id="{48D92626-37D2-4832-BF7A-BC283494A20D}" type="datetimeFigureOut">
               <a:rPr lang="en-US" smtClean="0"/>
-              <a:t>2/16/16</a:t>
+              <a:t>2/19/16</a:t>
             </a:fld>
             <a:endParaRPr lang="en-US"/>
           </a:p>
@@ -1980,7 +1980,7 @@
           <a:p>
             <a:fld id="{48D92626-37D2-4832-BF7A-BC283494A20D}" type="datetimeFigureOut">
               <a:rPr lang="en-US" smtClean="0"/>
-              <a:t>2/16/16</a:t>
+              <a:t>2/19/16</a:t>
             </a:fld>
             <a:endParaRPr lang="en-US"/>
           </a:p>
@@ -2534,7 +2534,7 @@
           <a:p>
             <a:fld id="{48D92626-37D2-4832-BF7A-BC283494A20D}" type="datetimeFigureOut">
               <a:rPr lang="en-US" smtClean="0"/>
-              <a:t>2/16/16</a:t>
+              <a:t>2/19/16</a:t>
             </a:fld>
             <a:endParaRPr lang="en-US"/>
           </a:p>
@@ -2665,7 +2665,7 @@
           <a:p>
             <a:fld id="{48D92626-37D2-4832-BF7A-BC283494A20D}" type="datetimeFigureOut">
               <a:rPr lang="en-US" smtClean="0"/>
-              <a:t>2/16/16</a:t>
+              <a:t>2/19/16</a:t>
             </a:fld>
             <a:endParaRPr lang="en-US"/>
           </a:p>
@@ -2815,7 +2815,7 @@
           <a:p>
             <a:fld id="{48D92626-37D2-4832-BF7A-BC283494A20D}" type="datetimeFigureOut">
               <a:rPr lang="en-US" smtClean="0"/>
-              <a:t>2/16/16</a:t>
+              <a:t>2/19/16</a:t>
             </a:fld>
             <a:endParaRPr lang="en-US"/>
           </a:p>
@@ -3137,7 +3137,7 @@
             <a:pPr algn="l" eaLnBrk="1" latinLnBrk="0" hangingPunct="1"/>
             <a:fld id="{48D92626-37D2-4832-BF7A-BC283494A20D}" type="datetimeFigureOut">
               <a:rPr lang="en-US" smtClean="0"/>
-              <a:t>2/16/16</a:t>
+              <a:t>2/19/16</a:t>
             </a:fld>
             <a:endParaRPr lang="en-US"/>
           </a:p>
@@ -3442,7 +3442,7 @@
             <a:pPr algn="l" eaLnBrk="1" latinLnBrk="0" hangingPunct="1"/>
             <a:fld id="{48D92626-37D2-4832-BF7A-BC283494A20D}" type="datetimeFigureOut">
               <a:rPr lang="en-US" smtClean="0"/>
-              <a:t>2/16/16</a:t>
+              <a:t>2/19/16</a:t>
             </a:fld>
             <a:endParaRPr lang="en-US"/>
           </a:p>
@@ -3703,7 +3703,7 @@
             <a:pPr algn="l" eaLnBrk="1" latinLnBrk="0" hangingPunct="1"/>
             <a:fld id="{48D92626-37D2-4832-BF7A-BC283494A20D}" type="datetimeFigureOut">
               <a:rPr lang="en-US" smtClean="0"/>
-              <a:t>2/16/16</a:t>
+              <a:t>2/19/16</a:t>
             </a:fld>
             <a:endParaRPr lang="en-US" sz="1300" dirty="0">
               <a:solidFill>
@@ -4367,7 +4367,6 @@
               <a:rPr kumimoji="1" lang="zh-CN" altLang="en-US" dirty="0"/>
               <a:t>，要可以动态调整权重，在线上，将某台机器的权重一直加大，并在加大的过程中记录响应时间的变化，直到响应时间到达阀值，记录此时的访问量，再以此访问量乘以机器数反推总容量。 </a:t>
             </a:r>
-            <a:endParaRPr kumimoji="1" lang="zh-CN" altLang="en-US" dirty="0"/>
           </a:p>
         </p:txBody>
       </p:sp>
@@ -4542,33 +4541,60 @@
           <a:bodyPr/>
           <a:lstStyle/>
           <a:p>
-            <a:endParaRPr kumimoji="1" lang="zh-CN" altLang="en-US"/>
-          </a:p>
-        </p:txBody>
-      </p:sp>
-      <p:sp>
-        <p:nvSpPr>
-          <p:cNvPr id="3" name="内容占位符 2"/>
-          <p:cNvSpPr>
-            <a:spLocks noGrp="1"/>
-          </p:cNvSpPr>
-          <p:nvPr>
-            <p:ph idx="1"/>
-          </p:nvPr>
-        </p:nvSpPr>
-        <p:spPr/>
-        <p:txBody>
-          <a:bodyPr/>
-          <a:lstStyle/>
-          <a:p>
             <a:r>
               <a:rPr kumimoji="1" lang="en-US" altLang="zh-CN" dirty="0" smtClean="0"/>
               <a:t>HTTP</a:t>
             </a:r>
+            <a:r>
+              <a:rPr kumimoji="1" lang="zh-CN" altLang="en-US" dirty="0" smtClean="0"/>
+              <a:t>与</a:t>
+            </a:r>
+            <a:r>
+              <a:rPr kumimoji="1" lang="en-US" altLang="zh-CN" dirty="0" smtClean="0"/>
+              <a:t>RPC</a:t>
+            </a:r>
+            <a:r>
+              <a:rPr kumimoji="1" lang="zh-CN" altLang="en-US" dirty="0" smtClean="0"/>
+              <a:t>比较</a:t>
+            </a:r>
+            <a:endParaRPr kumimoji="1" lang="zh-CN" altLang="en-US" dirty="0"/>
+          </a:p>
+        </p:txBody>
+      </p:sp>
+      <p:sp>
+        <p:nvSpPr>
+          <p:cNvPr id="3" name="内容占位符 2"/>
+          <p:cNvSpPr>
+            <a:spLocks noGrp="1"/>
+          </p:cNvSpPr>
+          <p:nvPr>
+            <p:ph idx="1"/>
+          </p:nvPr>
+        </p:nvSpPr>
+        <p:spPr/>
+        <p:txBody>
+          <a:bodyPr>
+            <a:normAutofit fontScale="55000" lnSpcReduction="20000"/>
+          </a:bodyPr>
+          <a:lstStyle/>
+          <a:p>
+            <a:pPr>
+              <a:lnSpc>
+                <a:spcPct val="170000"/>
+              </a:lnSpc>
+            </a:pPr>
+            <a:r>
+              <a:rPr kumimoji="1" lang="en-US" altLang="zh-CN" dirty="0" smtClean="0"/>
+              <a:t>HTTP</a:t>
+            </a:r>
             <a:endParaRPr kumimoji="1" lang="zh-CN" altLang="en-US" dirty="0" smtClean="0"/>
           </a:p>
           <a:p>
-            <a:pPr lvl="1"/>
+            <a:pPr lvl="1">
+              <a:lnSpc>
+                <a:spcPct val="170000"/>
+              </a:lnSpc>
+            </a:pPr>
             <a:r>
               <a:rPr kumimoji="1" lang="zh-CN" altLang="en-US" dirty="0"/>
               <a:t>简单、易用、可理解性强且语言</a:t>
@@ -4579,7 +4605,11 @@
             </a:r>
           </a:p>
           <a:p>
-            <a:pPr lvl="1"/>
+            <a:pPr lvl="1">
+              <a:lnSpc>
+                <a:spcPct val="170000"/>
+              </a:lnSpc>
+            </a:pPr>
             <a:r>
               <a:rPr kumimoji="1" lang="zh-CN" altLang="en-US" dirty="0"/>
               <a:t>协议头较重，一般请求到具体服务器的链路较长，可能会有 </a:t>
@@ -4611,6 +4641,11 @@
             <a:endParaRPr kumimoji="1" lang="zh-CN" altLang="en-US" dirty="0"/>
           </a:p>
           <a:p>
+            <a:pPr>
+              <a:lnSpc>
+                <a:spcPct val="170000"/>
+              </a:lnSpc>
+            </a:pPr>
             <a:r>
               <a:rPr kumimoji="1" lang="en-US" altLang="zh-CN" dirty="0" smtClean="0"/>
               <a:t>RPC</a:t>
@@ -4618,7 +4653,117 @@
             <a:endParaRPr kumimoji="1" lang="zh-CN" altLang="en-US" dirty="0" smtClean="0"/>
           </a:p>
           <a:p>
-            <a:pPr lvl="1"/>
+            <a:pPr lvl="1">
+              <a:lnSpc>
+                <a:spcPct val="170000"/>
+              </a:lnSpc>
+            </a:pPr>
+            <a:r>
+              <a:rPr lang="zh-CN" altLang="en-US" dirty="0"/>
+              <a:t>相对复杂，学习成本稍高</a:t>
+            </a:r>
+            <a:r>
+              <a:rPr lang="zh-CN" altLang="en-US" dirty="0" smtClean="0"/>
+              <a:t>。</a:t>
+            </a:r>
+          </a:p>
+          <a:p>
+            <a:pPr lvl="1">
+              <a:lnSpc>
+                <a:spcPct val="170000"/>
+              </a:lnSpc>
+            </a:pPr>
+            <a:r>
+              <a:rPr lang="en-US" altLang="zh-CN" dirty="0"/>
+              <a:t>RPC </a:t>
+            </a:r>
+            <a:r>
+              <a:rPr lang="zh-CN" altLang="en-US" dirty="0"/>
+              <a:t>协议只规定了 </a:t>
+            </a:r>
+            <a:r>
+              <a:rPr lang="en-US" altLang="zh-CN" dirty="0"/>
+              <a:t>Client </a:t>
+            </a:r>
+            <a:r>
+              <a:rPr lang="zh-CN" altLang="en-US" dirty="0"/>
+              <a:t>与 </a:t>
+            </a:r>
+            <a:r>
+              <a:rPr lang="en-US" altLang="zh-CN" dirty="0"/>
+              <a:t>Server </a:t>
+            </a:r>
+            <a:r>
+              <a:rPr lang="zh-CN" altLang="en-US" dirty="0"/>
+              <a:t>之间的点对点调用流程，包括 </a:t>
+            </a:r>
+            <a:r>
+              <a:rPr lang="en-US" altLang="zh-CN" dirty="0"/>
+              <a:t>stub</a:t>
+            </a:r>
+            <a:r>
+              <a:rPr lang="zh-CN" altLang="en-US" dirty="0"/>
+              <a:t>、通信协议、</a:t>
+            </a:r>
+            <a:r>
+              <a:rPr lang="en-US" altLang="zh-CN" dirty="0"/>
+              <a:t>RPC </a:t>
+            </a:r>
+            <a:r>
+              <a:rPr lang="zh-CN" altLang="en-US" dirty="0"/>
+              <a:t>消息解析等部分</a:t>
+            </a:r>
+            <a:r>
+              <a:rPr lang="zh-CN" altLang="en-US" dirty="0" smtClean="0"/>
+              <a:t>，</a:t>
+            </a:r>
+          </a:p>
+          <a:p>
+            <a:pPr>
+              <a:lnSpc>
+                <a:spcPct val="170000"/>
+              </a:lnSpc>
+            </a:pPr>
+            <a:r>
+              <a:rPr lang="zh-CN" altLang="en-US" dirty="0" smtClean="0"/>
+              <a:t>在</a:t>
+            </a:r>
+            <a:r>
+              <a:rPr lang="zh-CN" altLang="en-US" dirty="0"/>
+              <a:t>实际应用中，还需要考虑服务的高可用、负载均衡等问题，所以这里的 </a:t>
+            </a:r>
+            <a:r>
+              <a:rPr lang="en-US" altLang="zh-CN" dirty="0"/>
+              <a:t>RPC </a:t>
+            </a:r>
+            <a:r>
+              <a:rPr lang="zh-CN" altLang="en-US" dirty="0"/>
+              <a:t>框架指的是能够完成 </a:t>
+            </a:r>
+            <a:r>
+              <a:rPr lang="en-US" altLang="zh-CN" dirty="0"/>
+              <a:t>RPC </a:t>
+            </a:r>
+            <a:r>
+              <a:rPr lang="zh-CN" altLang="en-US" dirty="0"/>
+              <a:t>调用的解决方案，除了点对点的 </a:t>
+            </a:r>
+            <a:r>
+              <a:rPr lang="en-US" altLang="zh-CN" dirty="0"/>
+              <a:t>RPC </a:t>
+            </a:r>
+            <a:r>
+              <a:rPr lang="zh-CN" altLang="en-US" dirty="0"/>
+              <a:t>协议的具体实现外，还可以包括服务的发现与注销、提供服务的多台 </a:t>
+            </a:r>
+            <a:r>
+              <a:rPr lang="en-US" altLang="zh-CN" dirty="0"/>
+              <a:t>Server </a:t>
+            </a:r>
+            <a:r>
+              <a:rPr lang="zh-CN" altLang="en-US" dirty="0"/>
+              <a:t>的负载均衡、服务的高可用等更多的功能。</a:t>
+            </a:r>
             <a:endParaRPr kumimoji="1" lang="zh-CN" altLang="en-US" dirty="0"/>
           </a:p>
         </p:txBody>
@@ -4901,14 +5046,14 @@
           </a:ln>
           <a:extLst>
             <a:ext uri="{909E8E84-426E-40dd-AFC4-6F175D3DCCD1}">
-              <a14:hiddenFill xmlns="" xmlns:a14="http://schemas.microsoft.com/office/drawing/2010/main">
+              <a14:hiddenFill xmlns:a14="http://schemas.microsoft.com/office/drawing/2010/main" xmlns="">
                 <a:solidFill>
                   <a:schemeClr val="accent1"/>
                 </a:solidFill>
               </a14:hiddenFill>
             </a:ext>
             <a:ext uri="{91240B29-F687-4f45-9708-019B960494DF}">
-              <a14:hiddenLine xmlns="" xmlns:a14="http://schemas.microsoft.com/office/drawing/2010/main" w="9525">
+              <a14:hiddenLine xmlns:a14="http://schemas.microsoft.com/office/drawing/2010/main" xmlns="" w="9525">
                 <a:solidFill>
                   <a:schemeClr val="tx1"/>
                 </a:solidFill>
